--- a/Midterm - GP1/Presentation - Mid.pptx
+++ b/Midterm - GP1/Presentation - Mid.pptx
@@ -5,10 +5,10 @@
     <p:sldMasterId id="2147483648" r:id="rId1"/>
   </p:sldMasterIdLst>
   <p:notesMasterIdLst>
-    <p:notesMasterId r:id="rId36"/>
+    <p:notesMasterId r:id="rId37"/>
   </p:notesMasterIdLst>
   <p:handoutMasterIdLst>
-    <p:handoutMasterId r:id="rId37"/>
+    <p:handoutMasterId r:id="rId38"/>
   </p:handoutMasterIdLst>
   <p:sldIdLst>
     <p:sldId id="297" r:id="rId2"/>
@@ -45,6 +45,7 @@
     <p:sldId id="460" r:id="rId33"/>
     <p:sldId id="462" r:id="rId34"/>
     <p:sldId id="461" r:id="rId35"/>
+    <p:sldId id="465" r:id="rId36"/>
   </p:sldIdLst>
   <p:sldSz cx="12192000" cy="6858000"/>
   <p:notesSz cx="9144000" cy="6858000"/>
@@ -32723,6 +32724,130 @@
 </p:notes>
 </file>
 
+<file path=ppt/notesSlides/notesSlide4.xml><?xml version="1.0" encoding="utf-8"?>
+<p:notes xmlns:a="http://schemas.openxmlformats.org/drawingml/2006/main" xmlns:r="http://schemas.openxmlformats.org/officeDocument/2006/relationships" xmlns:p="http://schemas.openxmlformats.org/presentationml/2006/main">
+  <p:cSld>
+    <p:spTree>
+      <p:nvGrpSpPr>
+        <p:cNvPr id="1" name=""/>
+        <p:cNvGrpSpPr/>
+        <p:nvPr/>
+      </p:nvGrpSpPr>
+      <p:grpSpPr>
+        <a:xfrm>
+          <a:off x="0" y="0"/>
+          <a:ext cx="0" cy="0"/>
+          <a:chOff x="0" y="0"/>
+          <a:chExt cx="0" cy="0"/>
+        </a:xfrm>
+      </p:grpSpPr>
+      <p:sp>
+        <p:nvSpPr>
+          <p:cNvPr id="2" name="Slide Image Placeholder 1"/>
+          <p:cNvSpPr>
+            <a:spLocks noGrp="1" noRot="1" noChangeAspect="1"/>
+          </p:cNvSpPr>
+          <p:nvPr>
+            <p:ph type="sldImg"/>
+          </p:nvPr>
+        </p:nvSpPr>
+        <p:spPr>
+          <a:xfrm>
+            <a:off x="76200" y="579438"/>
+            <a:ext cx="4114800" cy="2314575"/>
+          </a:xfrm>
+        </p:spPr>
+      </p:sp>
+      <p:sp>
+        <p:nvSpPr>
+          <p:cNvPr id="3" name="Notes Placeholder 2"/>
+          <p:cNvSpPr>
+            <a:spLocks noGrp="1"/>
+          </p:cNvSpPr>
+          <p:nvPr>
+            <p:ph type="body" idx="1"/>
+          </p:nvPr>
+        </p:nvSpPr>
+        <p:spPr/>
+        <p:txBody>
+          <a:bodyPr/>
+          <a:lstStyle/>
+          <a:p>
+            <a:endParaRPr lang="ar-EG" dirty="0"/>
+          </a:p>
+        </p:txBody>
+      </p:sp>
+      <p:sp>
+        <p:nvSpPr>
+          <p:cNvPr id="5" name="Date Placeholder 4">
+            <a:extLst>
+              <a:ext uri="{FF2B5EF4-FFF2-40B4-BE49-F238E27FC236}">
+                <a16:creationId xmlns:a16="http://schemas.microsoft.com/office/drawing/2014/main" id="{FB13F615-F590-4A66-8DBB-53D9B6F9362D}"/>
+              </a:ext>
+            </a:extLst>
+          </p:cNvPr>
+          <p:cNvSpPr>
+            <a:spLocks noGrp="1"/>
+          </p:cNvSpPr>
+          <p:nvPr>
+            <p:ph type="dt" idx="1"/>
+          </p:nvPr>
+        </p:nvSpPr>
+        <p:spPr/>
+        <p:txBody>
+          <a:bodyPr/>
+          <a:lstStyle/>
+          <a:p>
+            <a:fld id="{57E99937-6F4C-4073-95CE-15C2598288D3}" type="datetime8">
+              <a:rPr lang="ar-EG" smtClean="0"/>
+              <a:t>20 تشرين الأول، 21</a:t>
+            </a:fld>
+            <a:endParaRPr lang="ar-EG" dirty="0"/>
+          </a:p>
+        </p:txBody>
+      </p:sp>
+      <p:sp>
+        <p:nvSpPr>
+          <p:cNvPr id="6" name="Slide Number Placeholder 5">
+            <a:extLst>
+              <a:ext uri="{FF2B5EF4-FFF2-40B4-BE49-F238E27FC236}">
+                <a16:creationId xmlns:a16="http://schemas.microsoft.com/office/drawing/2014/main" id="{81FA73A1-E4F6-4482-BAA8-C5D6C4B76419}"/>
+              </a:ext>
+            </a:extLst>
+          </p:cNvPr>
+          <p:cNvSpPr>
+            <a:spLocks noGrp="1"/>
+          </p:cNvSpPr>
+          <p:nvPr>
+            <p:ph type="sldNum" sz="quarter" idx="5"/>
+          </p:nvPr>
+        </p:nvSpPr>
+        <p:spPr/>
+        <p:txBody>
+          <a:bodyPr/>
+          <a:lstStyle/>
+          <a:p>
+            <a:fld id="{9B5560CF-9BF7-41E3-A543-376987139C58}" type="slidenum">
+              <a:rPr lang="ar-EG" smtClean="0"/>
+              <a:t>35</a:t>
+            </a:fld>
+            <a:endParaRPr lang="ar-EG" dirty="0"/>
+          </a:p>
+        </p:txBody>
+      </p:sp>
+    </p:spTree>
+    <p:extLst>
+      <p:ext uri="{BB962C8B-B14F-4D97-AF65-F5344CB8AC3E}">
+        <p14:creationId xmlns:p14="http://schemas.microsoft.com/office/powerpoint/2010/main" val="1443273957"/>
+      </p:ext>
+    </p:extLst>
+  </p:cSld>
+  <p:clrMapOvr>
+    <a:masterClrMapping/>
+  </p:clrMapOvr>
+</p:notes>
+</file>
+
 <file path=ppt/slideLayouts/slideLayout1.xml><?xml version="1.0" encoding="utf-8"?>
 <p:sldLayout xmlns:a="http://schemas.openxmlformats.org/drawingml/2006/main" xmlns:r="http://schemas.openxmlformats.org/officeDocument/2006/relationships" xmlns:p="http://schemas.openxmlformats.org/presentationml/2006/main" type="title" preserve="1">
   <p:cSld name="Title Slide">
@@ -44559,6 +44684,180 @@
 </p:sld>
 </file>
 
+<file path=ppt/slides/slide35.xml><?xml version="1.0" encoding="utf-8"?>
+<p:sld xmlns:a="http://schemas.openxmlformats.org/drawingml/2006/main" xmlns:r="http://schemas.openxmlformats.org/officeDocument/2006/relationships" xmlns:p="http://schemas.openxmlformats.org/presentationml/2006/main">
+  <p:cSld>
+    <p:spTree>
+      <p:nvGrpSpPr>
+        <p:cNvPr id="1" name=""/>
+        <p:cNvGrpSpPr/>
+        <p:nvPr/>
+      </p:nvGrpSpPr>
+      <p:grpSpPr>
+        <a:xfrm>
+          <a:off x="0" y="0"/>
+          <a:ext cx="0" cy="0"/>
+          <a:chOff x="0" y="0"/>
+          <a:chExt cx="0" cy="0"/>
+        </a:xfrm>
+      </p:grpSpPr>
+      <p:sp>
+        <p:nvSpPr>
+          <p:cNvPr id="10" name="Title 9">
+            <a:extLst>
+              <a:ext uri="{FF2B5EF4-FFF2-40B4-BE49-F238E27FC236}">
+                <a16:creationId xmlns:a16="http://schemas.microsoft.com/office/drawing/2014/main" id="{1F1128D3-E402-40BA-99CD-78F387C33497}"/>
+              </a:ext>
+            </a:extLst>
+          </p:cNvPr>
+          <p:cNvSpPr>
+            <a:spLocks noGrp="1"/>
+          </p:cNvSpPr>
+          <p:nvPr>
+            <p:ph type="ctrTitle"/>
+          </p:nvPr>
+        </p:nvSpPr>
+        <p:spPr>
+          <a:xfrm>
+            <a:off x="657225" y="1843088"/>
+            <a:ext cx="10877550" cy="3186112"/>
+          </a:xfrm>
+        </p:spPr>
+        <p:txBody>
+          <a:bodyPr anchor="ctr">
+            <a:normAutofit/>
+          </a:bodyPr>
+          <a:lstStyle/>
+          <a:p>
+            <a:r>
+              <a:rPr lang="en-US" dirty="0"/>
+              <a:t>An Intelligent Intrusion Detection System for Surveillance Cameras</a:t>
+            </a:r>
+            <a:endParaRPr lang="ar-SA" dirty="0"/>
+          </a:p>
+        </p:txBody>
+      </p:sp>
+      <p:sp>
+        <p:nvSpPr>
+          <p:cNvPr id="11" name="Subtitle 10">
+            <a:extLst>
+              <a:ext uri="{FF2B5EF4-FFF2-40B4-BE49-F238E27FC236}">
+                <a16:creationId xmlns:a16="http://schemas.microsoft.com/office/drawing/2014/main" id="{D5C204CF-6033-4E0F-87B6-1F8AB8D74A8F}"/>
+              </a:ext>
+            </a:extLst>
+          </p:cNvPr>
+          <p:cNvSpPr>
+            <a:spLocks noGrp="1"/>
+          </p:cNvSpPr>
+          <p:nvPr>
+            <p:ph type="subTitle" idx="1"/>
+          </p:nvPr>
+        </p:nvSpPr>
+        <p:spPr>
+          <a:xfrm>
+            <a:off x="657543" y="5171439"/>
+            <a:ext cx="10876915" cy="807367"/>
+          </a:xfrm>
+        </p:spPr>
+        <p:txBody>
+          <a:bodyPr anchor="ctr">
+            <a:normAutofit/>
+          </a:bodyPr>
+          <a:lstStyle/>
+          <a:p>
+            <a:r>
+              <a:rPr lang="en-US" dirty="0"/>
+              <a:t>Graduation Project I (Midterm Presentation) </a:t>
+            </a:r>
+            <a:endParaRPr lang="ar-SA" dirty="0"/>
+          </a:p>
+        </p:txBody>
+      </p:sp>
+      <p:sp>
+        <p:nvSpPr>
+          <p:cNvPr id="16" name="Footer Placeholder 12">
+            <a:extLst>
+              <a:ext uri="{FF2B5EF4-FFF2-40B4-BE49-F238E27FC236}">
+                <a16:creationId xmlns:a16="http://schemas.microsoft.com/office/drawing/2014/main" id="{9D4BD325-AD1E-418D-8B2D-328F752F10D4}"/>
+              </a:ext>
+            </a:extLst>
+          </p:cNvPr>
+          <p:cNvSpPr>
+            <a:spLocks noGrp="1"/>
+          </p:cNvSpPr>
+          <p:nvPr>
+            <p:ph type="ftr" sz="quarter" idx="11"/>
+          </p:nvPr>
+        </p:nvSpPr>
+        <p:spPr>
+          <a:xfrm>
+            <a:off x="83126" y="6638779"/>
+            <a:ext cx="4622223" cy="219222"/>
+          </a:xfrm>
+          <a:ln>
+            <a:noFill/>
+          </a:ln>
+        </p:spPr>
+        <p:txBody>
+          <a:bodyPr/>
+          <a:lstStyle/>
+          <a:p>
+            <a:r>
+              <a:rPr lang="en-US" dirty="0"/>
+              <a:t>An Intelligent Intrusion Detection System for Surveillance Cameras</a:t>
+            </a:r>
+            <a:endParaRPr lang="ar-EG" dirty="0"/>
+          </a:p>
+        </p:txBody>
+      </p:sp>
+      <p:sp>
+        <p:nvSpPr>
+          <p:cNvPr id="2" name="Slide Number Placeholder 1">
+            <a:extLst>
+              <a:ext uri="{FF2B5EF4-FFF2-40B4-BE49-F238E27FC236}">
+                <a16:creationId xmlns:a16="http://schemas.microsoft.com/office/drawing/2014/main" id="{643AB969-90F1-44F0-9300-95CFF52E8D0A}"/>
+              </a:ext>
+            </a:extLst>
+          </p:cNvPr>
+          <p:cNvSpPr>
+            <a:spLocks noGrp="1"/>
+          </p:cNvSpPr>
+          <p:nvPr>
+            <p:ph type="sldNum" sz="quarter" idx="12"/>
+          </p:nvPr>
+        </p:nvSpPr>
+        <p:spPr>
+          <a:xfrm>
+            <a:off x="9587344" y="6638778"/>
+            <a:ext cx="2521529" cy="219222"/>
+          </a:xfrm>
+        </p:spPr>
+        <p:txBody>
+          <a:bodyPr/>
+          <a:lstStyle/>
+          <a:p>
+            <a:fld id="{9BF613EA-52BB-461C-8173-BE2C80580C66}" type="slidenum">
+              <a:rPr lang="ar-EG" smtClean="0"/>
+              <a:pPr/>
+              <a:t>35</a:t>
+            </a:fld>
+            <a:endParaRPr lang="ar-EG" dirty="0"/>
+          </a:p>
+        </p:txBody>
+      </p:sp>
+    </p:spTree>
+    <p:extLst>
+      <p:ext uri="{BB962C8B-B14F-4D97-AF65-F5344CB8AC3E}">
+        <p14:creationId xmlns:p14="http://schemas.microsoft.com/office/powerpoint/2010/main" val="775905608"/>
+      </p:ext>
+    </p:extLst>
+  </p:cSld>
+  <p:clrMapOvr>
+    <a:masterClrMapping/>
+  </p:clrMapOvr>
+</p:sld>
+</file>
+
 <file path=ppt/slides/slide4.xml><?xml version="1.0" encoding="utf-8"?>
 <p:sld xmlns:a="http://schemas.openxmlformats.org/drawingml/2006/main" xmlns:r="http://schemas.openxmlformats.org/officeDocument/2006/relationships" xmlns:p="http://schemas.openxmlformats.org/presentationml/2006/main">
   <p:cSld>
@@ -44752,7 +45051,7 @@
         </p:nvSpPr>
         <p:spPr>
           <a:xfrm>
-            <a:off x="839788" y="2556594"/>
+            <a:off x="839788" y="2535812"/>
             <a:ext cx="10512424" cy="592290"/>
           </a:xfrm>
         </p:spPr>
@@ -44804,18 +45103,33 @@
           </a:bodyPr>
           <a:lstStyle/>
           <a:p>
+            <a:pPr>
+              <a:lnSpc>
+                <a:spcPct val="110000"/>
+              </a:lnSpc>
+            </a:pPr>
             <a:r>
               <a:rPr lang="en-US" dirty="0"/>
-              <a:t>Security threats have become common and real in this time, only humans are no longer able to protect valuables. Ordinary human insurance is no longer sufficient currently. </a:t>
+              <a:t>Security threats have become common and real in this time, humans are no longer able to protect valuables.</a:t>
             </a:r>
           </a:p>
           <a:p>
+            <a:pPr>
+              <a:lnSpc>
+                <a:spcPct val="110000"/>
+              </a:lnSpc>
+            </a:pPr>
             <a:r>
               <a:rPr lang="en-US" dirty="0"/>
-              <a:t>On the other hand, the presence of humans has become more intense in public places. With so many criminals or menacing tactics it is almost impossible to discern them by visual ability, as they easily hide inside large crowds.</a:t>
+              <a:t>On the other hand, the presence of humans has become more intense in public places. With so many criminals impossible to discern them by visual ability, </a:t>
             </a:r>
           </a:p>
           <a:p>
+            <a:pPr>
+              <a:lnSpc>
+                <a:spcPct val="110000"/>
+              </a:lnSpc>
+            </a:pPr>
             <a:r>
               <a:rPr lang="en-US" dirty="0"/>
               <a:t>For this, the developers and the police are working to secure it both technically and realistically. Because security alone is unable to deal with such matters</a:t>
@@ -45057,7 +45371,7 @@
             </a:pPr>
             <a:r>
               <a:rPr lang="en-US" dirty="0"/>
-              <a:t>Bank and store robbery is spreading all over the world as well. Because there is not enough security. Also, the thief is carrying a weapon or a knife and no one reveals it except when he takes out his weapon himself and threatens the lives of others and takes what he wants, and in many cases the police cannot reach that thief.</a:t>
+              <a:t>public places robbery is spreading all over the world as well. Because there is not enough security. Also, the thief is carrying a weapon or a knife and no one reveals it except when he takes out his weapon himself and threatens the lives of others and takes what he wants, and in many cases the police cannot reach that thief.</a:t>
             </a:r>
           </a:p>
         </p:txBody>
@@ -45265,7 +45579,7 @@
             </a:pPr>
             <a:r>
               <a:rPr lang="en-US" sz="2400" dirty="0"/>
-              <a:t>Create a system connected to a camera that can identify the criminal who enters the bank or the commercial store, by identifying if he is carrying a gun, trifle, or a knife. and to give a warning to all those present in this facility and warn them.</a:t>
+              <a:t>Create a system connected to a camera that can identify the criminal who enters public places, by identifying if he is carrying a gun, trifle, or a knife. and to give a warning to all those present in this facility and warn them.</a:t>
             </a:r>
             <a:endParaRPr lang="ar-SA" sz="2400" dirty="0"/>
           </a:p>
@@ -45506,7 +45820,7 @@
             </a:pPr>
             <a:r>
               <a:rPr lang="en-US" sz="2200" dirty="0"/>
-              <a:t>Recognized and find at least one viable focus from still picture or video information. </a:t>
+              <a:t>Recognized and find at least one viable focus from video information. </a:t>
             </a:r>
           </a:p>
           <a:p>
